--- a/main.pptx
+++ b/main.pptx
@@ -12241,14 +12241,6 @@
               </a:rPr>
               <a:t>What of the Future</a:t>
             </a:r>
-            <a:endParaRPr lang="en-US" altLang="zh-CN" dirty="0">
-              <a:solidFill>
-                <a:schemeClr val="accent5">
-                  <a:lumMod val="50000"/>
-                </a:schemeClr>
-              </a:solidFill>
-              <a:ea typeface="宋体" panose="02010600030101010101" pitchFamily="2" charset="-122"/>
-            </a:endParaRPr>
           </a:p>
         </p:txBody>
       </p:sp>
@@ -13426,12 +13418,6 @@
                   </a:rPr>
                   <a:t>The Ever-Expanding Pie</a:t>
                 </a:r>
-                <a:endParaRPr lang="en-US" altLang="zh-CN" sz="2200" b="1" dirty="0">
-                  <a:solidFill>
-                    <a:srgbClr val="F8F8F8"/>
-                  </a:solidFill>
-                  <a:ea typeface="宋体" panose="02010600030101010101" pitchFamily="2" charset="-122"/>
-                </a:endParaRPr>
               </a:p>
             </p:txBody>
           </p:sp>
@@ -13701,12 +13687,6 @@
               </a:rPr>
               <a:t>The Decline of Abundance</a:t>
             </a:r>
-            <a:endParaRPr lang="en-US" altLang="zh-CN" sz="2200" b="1" dirty="0">
-              <a:solidFill>
-                <a:srgbClr val="F8F8F8"/>
-              </a:solidFill>
-              <a:ea typeface="宋体" panose="02010600030101010101" pitchFamily="2" charset="-122"/>
-            </a:endParaRPr>
           </a:p>
         </p:txBody>
       </p:sp>
@@ -13820,14 +13800,6 @@
               </a:rPr>
               <a:t>A History of Abundance</a:t>
             </a:r>
-            <a:endParaRPr lang="en-US" altLang="zh-CN" dirty="0">
-              <a:solidFill>
-                <a:schemeClr val="accent1">
-                  <a:lumMod val="50000"/>
-                </a:schemeClr>
-              </a:solidFill>
-              <a:ea typeface="宋体" panose="02010600030101010101" pitchFamily="2" charset="-122"/>
-            </a:endParaRPr>
           </a:p>
         </p:txBody>
       </p:sp>
@@ -14456,14 +14428,6 @@
               </a:rPr>
               <a:t>A History of Abundance</a:t>
             </a:r>
-            <a:endParaRPr lang="en-US" altLang="zh-CN" dirty="0">
-              <a:solidFill>
-                <a:schemeClr val="accent1">
-                  <a:lumMod val="50000"/>
-                </a:schemeClr>
-              </a:solidFill>
-              <a:ea typeface="宋体" panose="02010600030101010101" pitchFamily="2" charset="-122"/>
-            </a:endParaRPr>
           </a:p>
         </p:txBody>
       </p:sp>
@@ -14889,14 +14853,6 @@
               </a:rPr>
               <a:t>From Producers to Consumers</a:t>
             </a:r>
-            <a:endParaRPr lang="en-US" altLang="zh-CN" dirty="0">
-              <a:solidFill>
-                <a:schemeClr val="accent5">
-                  <a:lumMod val="50000"/>
-                </a:schemeClr>
-              </a:solidFill>
-              <a:ea typeface="宋体" panose="02010600030101010101" pitchFamily="2" charset="-122"/>
-            </a:endParaRPr>
           </a:p>
         </p:txBody>
       </p:sp>
@@ -15218,14 +15174,6 @@
               </a:rPr>
               <a:t>From Producers to Consumers</a:t>
             </a:r>
-            <a:endParaRPr lang="en-US" altLang="zh-CN" dirty="0">
-              <a:solidFill>
-                <a:schemeClr val="accent5">
-                  <a:lumMod val="50000"/>
-                </a:schemeClr>
-              </a:solidFill>
-              <a:ea typeface="宋体" panose="02010600030101010101" pitchFamily="2" charset="-122"/>
-            </a:endParaRPr>
           </a:p>
         </p:txBody>
       </p:sp>
@@ -15250,18 +15198,11 @@
           <a:lstStyle/>
           <a:p>
             <a:r>
-              <a:rPr lang="en-US" altLang="zh-CN" sz="2800" dirty="0" err="1" smtClean="0">
-                <a:latin typeface="Calibri" panose="020F0502020204030204" pitchFamily="34" charset="0"/>
-                <a:cs typeface="Calibri" panose="020F0502020204030204" pitchFamily="34" charset="0"/>
-              </a:rPr>
-              <a:t>CommerTelevision</a:t>
-            </a:r>
-            <a:r>
               <a:rPr lang="en-US" altLang="zh-CN" sz="2800" dirty="0" smtClean="0">
                 <a:latin typeface="Calibri" panose="020F0502020204030204" pitchFamily="34" charset="0"/>
                 <a:cs typeface="Calibri" panose="020F0502020204030204" pitchFamily="34" charset="0"/>
               </a:rPr>
-              <a:t> </a:t>
+              <a:t>Television </a:t>
             </a:r>
             <a:r>
               <a:rPr lang="en-US" altLang="zh-CN" sz="2800" dirty="0">
@@ -15273,11 +15214,25 @@
           </a:p>
           <a:p>
             <a:r>
+              <a:rPr lang="en-US" altLang="zh-CN" sz="2800">
+                <a:latin typeface="Calibri" panose="020F0502020204030204" pitchFamily="34" charset="0"/>
+                <a:cs typeface="Calibri" panose="020F0502020204030204" pitchFamily="34" charset="0"/>
+              </a:rPr>
+              <a:t>Sponsors </a:t>
+            </a:r>
+            <a:r>
+              <a:rPr lang="en-US" altLang="zh-CN" sz="2800" smtClean="0">
+                <a:latin typeface="Calibri" panose="020F0502020204030204" pitchFamily="34" charset="0"/>
+                <a:cs typeface="Calibri" panose="020F0502020204030204" pitchFamily="34" charset="0"/>
+              </a:rPr>
+              <a:t>used </a:t>
+            </a:r>
+            <a:r>
               <a:rPr lang="en-US" altLang="zh-CN" sz="2800" dirty="0">
                 <a:latin typeface="Calibri" panose="020F0502020204030204" pitchFamily="34" charset="0"/>
                 <a:cs typeface="Calibri" panose="020F0502020204030204" pitchFamily="34" charset="0"/>
               </a:rPr>
-              <a:t>Sponsors use it for mass advertising.</a:t>
+              <a:t>it for mass advertising.</a:t>
             </a:r>
           </a:p>
           <a:p>
@@ -16174,14 +16129,6 @@
               </a:rPr>
               <a:t>From Producers to Consumers</a:t>
             </a:r>
-            <a:endParaRPr lang="en-US" altLang="zh-CN" dirty="0">
-              <a:solidFill>
-                <a:schemeClr val="accent5">
-                  <a:lumMod val="50000"/>
-                </a:schemeClr>
-              </a:solidFill>
-              <a:ea typeface="宋体" panose="02010600030101010101" pitchFamily="2" charset="-122"/>
-            </a:endParaRPr>
           </a:p>
         </p:txBody>
       </p:sp>
@@ -17050,14 +16997,6 @@
               </a:rPr>
               <a:t>The Ever-Expanding Pie</a:t>
             </a:r>
-            <a:endParaRPr lang="en-US" altLang="zh-CN" dirty="0">
-              <a:solidFill>
-                <a:schemeClr val="accent5">
-                  <a:lumMod val="50000"/>
-                </a:schemeClr>
-              </a:solidFill>
-              <a:ea typeface="宋体" panose="02010600030101010101" pitchFamily="2" charset="-122"/>
-            </a:endParaRPr>
           </a:p>
         </p:txBody>
       </p:sp>
@@ -17549,14 +17488,6 @@
               </a:rPr>
               <a:t>The Decline of Abundance</a:t>
             </a:r>
-            <a:endParaRPr lang="en-US" altLang="zh-CN" dirty="0">
-              <a:solidFill>
-                <a:schemeClr val="accent5">
-                  <a:lumMod val="50000"/>
-                </a:schemeClr>
-              </a:solidFill>
-              <a:ea typeface="宋体" panose="02010600030101010101" pitchFamily="2" charset="-122"/>
-            </a:endParaRPr>
           </a:p>
         </p:txBody>
       </p:sp>
